--- a/DSCI-Stock-Predictor-main/Capstone 1/Reports/Stock Prediction Update - 2021-08-06_Updated.pptx
+++ b/DSCI-Stock-Predictor-main/Capstone 1/Reports/Stock Prediction Update - 2021-08-06_Updated.pptx
@@ -14969,6 +14969,17 @@
             </a:pPr>
             <a:r>
               <a:rPr lang="en-US" sz="1800" dirty="0"/>
+              <a:t>Logistic Regression</a:t>
+            </a:r>
+          </a:p>
+          <a:p>
+            <a:pPr lvl="1">
+              <a:spcBef>
+                <a:spcPts val="0"/>
+              </a:spcBef>
+            </a:pPr>
+            <a:r>
+              <a:rPr lang="en-US" sz="1800" dirty="0"/>
               <a:t>Neural Network</a:t>
             </a:r>
           </a:p>
@@ -14981,17 +14992,6 @@
             <a:r>
               <a:rPr lang="en-US" sz="1800" dirty="0"/>
               <a:t>Random Forest</a:t>
-            </a:r>
-          </a:p>
-          <a:p>
-            <a:pPr lvl="1">
-              <a:spcBef>
-                <a:spcPts val="0"/>
-              </a:spcBef>
-            </a:pPr>
-            <a:r>
-              <a:rPr lang="en-US" sz="1800" dirty="0"/>
-              <a:t>Logistic Regression</a:t>
             </a:r>
           </a:p>
           <a:p>
@@ -15105,10 +15105,10 @@
       </p:sp>
       <p:pic>
         <p:nvPicPr>
-          <p:cNvPr id="5" name="Picture 4" descr="Table&#10;&#10;Description automatically generated">
+          <p:cNvPr id="3" name="Picture 2" descr="Graphical user interface, text, application&#10;&#10;Description automatically generated">
             <a:extLst>
               <a:ext uri="{FF2B5EF4-FFF2-40B4-BE49-F238E27FC236}">
-                <a16:creationId xmlns:a16="http://schemas.microsoft.com/office/drawing/2014/main" id="{81D626A4-4302-0544-AB71-6964DFC894E0}"/>
+                <a16:creationId xmlns:a16="http://schemas.microsoft.com/office/drawing/2014/main" id="{A0DBFE90-4A50-854D-A70C-3FE020120171}"/>
               </a:ext>
             </a:extLst>
           </p:cNvPr>
@@ -15125,8 +15125,8 @@
         </p:blipFill>
         <p:spPr>
           <a:xfrm>
-            <a:off x="3247162" y="1436760"/>
-            <a:ext cx="5697675" cy="5385144"/>
+            <a:off x="3306011" y="1423592"/>
+            <a:ext cx="5188284" cy="5344827"/>
           </a:xfrm>
           <a:prstGeom prst="rect">
             <a:avLst/>
